--- a/docs/statusReport.pptx
+++ b/docs/statusReport.pptx
@@ -198,7 +198,7 @@
           <a:p>
             <a:fld id="{CCA9E6B6-1ED2-AB41-864A-0B28028C5512}" type="datetimeFigureOut">
               <a:rPr lang="en-CH" smtClean="0"/>
-              <a:t>27.04.21</a:t>
+              <a:t>29.05.21</a:t>
             </a:fld>
             <a:endParaRPr lang="en-CH"/>
           </a:p>
@@ -699,7 +699,7 @@
           <a:p>
             <a:fld id="{5C164E1E-D877-1A40-A740-59B54F6E0152}" type="datetimeFigureOut">
               <a:rPr lang="en-CH" smtClean="0"/>
-              <a:t>27.04.21</a:t>
+              <a:t>29.05.21</a:t>
             </a:fld>
             <a:endParaRPr lang="en-CH"/>
           </a:p>
@@ -899,7 +899,7 @@
           <a:p>
             <a:fld id="{5C164E1E-D877-1A40-A740-59B54F6E0152}" type="datetimeFigureOut">
               <a:rPr lang="en-CH" smtClean="0"/>
-              <a:t>27.04.21</a:t>
+              <a:t>29.05.21</a:t>
             </a:fld>
             <a:endParaRPr lang="en-CH"/>
           </a:p>
@@ -1109,7 +1109,7 @@
           <a:p>
             <a:fld id="{5C164E1E-D877-1A40-A740-59B54F6E0152}" type="datetimeFigureOut">
               <a:rPr lang="en-CH" smtClean="0"/>
-              <a:t>27.04.21</a:t>
+              <a:t>29.05.21</a:t>
             </a:fld>
             <a:endParaRPr lang="en-CH"/>
           </a:p>
@@ -1309,7 +1309,7 @@
           <a:p>
             <a:fld id="{5C164E1E-D877-1A40-A740-59B54F6E0152}" type="datetimeFigureOut">
               <a:rPr lang="en-CH" smtClean="0"/>
-              <a:t>27.04.21</a:t>
+              <a:t>29.05.21</a:t>
             </a:fld>
             <a:endParaRPr lang="en-CH"/>
           </a:p>
@@ -1585,7 +1585,7 @@
           <a:p>
             <a:fld id="{5C164E1E-D877-1A40-A740-59B54F6E0152}" type="datetimeFigureOut">
               <a:rPr lang="en-CH" smtClean="0"/>
-              <a:t>27.04.21</a:t>
+              <a:t>29.05.21</a:t>
             </a:fld>
             <a:endParaRPr lang="en-CH"/>
           </a:p>
@@ -1853,7 +1853,7 @@
           <a:p>
             <a:fld id="{5C164E1E-D877-1A40-A740-59B54F6E0152}" type="datetimeFigureOut">
               <a:rPr lang="en-CH" smtClean="0"/>
-              <a:t>27.04.21</a:t>
+              <a:t>29.05.21</a:t>
             </a:fld>
             <a:endParaRPr lang="en-CH"/>
           </a:p>
@@ -2268,7 +2268,7 @@
           <a:p>
             <a:fld id="{5C164E1E-D877-1A40-A740-59B54F6E0152}" type="datetimeFigureOut">
               <a:rPr lang="en-CH" smtClean="0"/>
-              <a:t>27.04.21</a:t>
+              <a:t>29.05.21</a:t>
             </a:fld>
             <a:endParaRPr lang="en-CH"/>
           </a:p>
@@ -2410,7 +2410,7 @@
           <a:p>
             <a:fld id="{5C164E1E-D877-1A40-A740-59B54F6E0152}" type="datetimeFigureOut">
               <a:rPr lang="en-CH" smtClean="0"/>
-              <a:t>27.04.21</a:t>
+              <a:t>29.05.21</a:t>
             </a:fld>
             <a:endParaRPr lang="en-CH"/>
           </a:p>
@@ -2523,7 +2523,7 @@
           <a:p>
             <a:fld id="{5C164E1E-D877-1A40-A740-59B54F6E0152}" type="datetimeFigureOut">
               <a:rPr lang="en-CH" smtClean="0"/>
-              <a:t>27.04.21</a:t>
+              <a:t>29.05.21</a:t>
             </a:fld>
             <a:endParaRPr lang="en-CH"/>
           </a:p>
@@ -2836,7 +2836,7 @@
           <a:p>
             <a:fld id="{5C164E1E-D877-1A40-A740-59B54F6E0152}" type="datetimeFigureOut">
               <a:rPr lang="en-CH" smtClean="0"/>
-              <a:t>27.04.21</a:t>
+              <a:t>29.05.21</a:t>
             </a:fld>
             <a:endParaRPr lang="en-CH"/>
           </a:p>
@@ -3125,7 +3125,7 @@
           <a:p>
             <a:fld id="{5C164E1E-D877-1A40-A740-59B54F6E0152}" type="datetimeFigureOut">
               <a:rPr lang="en-CH" smtClean="0"/>
-              <a:t>27.04.21</a:t>
+              <a:t>29.05.21</a:t>
             </a:fld>
             <a:endParaRPr lang="en-CH"/>
           </a:p>
@@ -3368,7 +3368,7 @@
           <a:p>
             <a:fld id="{5C164E1E-D877-1A40-A740-59B54F6E0152}" type="datetimeFigureOut">
               <a:rPr lang="en-CH" smtClean="0"/>
-              <a:t>27.04.21</a:t>
+              <a:t>29.05.21</a:t>
             </a:fld>
             <a:endParaRPr lang="en-CH"/>
           </a:p>
@@ -4076,7 +4076,7 @@
                 <a:ea typeface="Source Sans Pro" panose="020F0502020204030204" pitchFamily="34" charset="0"/>
                 <a:cs typeface="Al Bayan" pitchFamily="2" charset="-78"/>
               </a:rPr>
-              <a:t>⌛️ Integrate said trace in the existing statistics tool (</a:t>
+              <a:t>➡️ Integrate said trace in the existing statistics tool (</a:t>
             </a:r>
             <a:r>
               <a:rPr lang="en-GB" sz="1800" dirty="0" err="1">
@@ -4117,7 +4117,7 @@
                 <a:ea typeface="Source Sans Pro" panose="020F0502020204030204" pitchFamily="34" charset="0"/>
                 <a:cs typeface="Al Bayan" pitchFamily="2" charset="-78"/>
               </a:rPr>
-              <a:t>⌛️ Identify some third-party non-trivial distributed applications and </a:t>
+              <a:t>❌ Identify some third-party non-trivial distributed applications and </a:t>
             </a:r>
             <a:r>
               <a:rPr lang="en-GB" sz="1800" dirty="0" err="1">
@@ -4150,7 +4150,7 @@
                 <a:ea typeface="Source Sans Pro" panose="020F0502020204030204" pitchFamily="34" charset="0"/>
                 <a:cs typeface="Al Bayan" pitchFamily="2" charset="-78"/>
               </a:rPr>
-              <a:t>⌛️ Write the report, </a:t>
+              <a:t>➡️ Write the report, </a:t>
             </a:r>
             <a:r>
               <a:rPr lang="en-GB" sz="1800" strike="sngStrike" dirty="0">
@@ -4200,7 +4200,7 @@
         <p:spPr>
           <a:xfrm>
             <a:off x="838200" y="382034"/>
-            <a:ext cx="10515600" cy="1231106"/>
+            <a:ext cx="10515600" cy="1508105"/>
           </a:xfrm>
           <a:prstGeom prst="rect">
             <a:avLst/>
@@ -4225,7 +4225,15 @@
           <a:p>
             <a:r>
               <a:rPr lang="en-GB" dirty="0"/>
-              <a:t>//TODO</a:t>
+              <a:t>Finalizing interaction with external software (</a:t>
+            </a:r>
+            <a:r>
+              <a:rPr lang="en-GB" dirty="0" err="1"/>
+              <a:t>freud</a:t>
+            </a:r>
+            <a:r>
+              <a:rPr lang="en-GB" dirty="0"/>
+              <a:t>), but code is basically done</a:t>
             </a:r>
             <a:endParaRPr lang="en-CH" dirty="0"/>
           </a:p>
@@ -4245,7 +4253,7 @@
           <a:p>
             <a:r>
               <a:rPr lang="en-GB" dirty="0"/>
-              <a:t>Work in progress</a:t>
+              <a:t>Draft accepted by advisor, writing in progress</a:t>
             </a:r>
             <a:endParaRPr lang="en-CH" dirty="0"/>
           </a:p>
